--- a/Slides/PythonArcadeStep1InstallAndOpenAWindow.pptx
+++ b/Slides/PythonArcadeStep1InstallAndOpenAWindow.pptx
@@ -247,7 +247,7 @@
           <a:p>
             <a:fld id="{095922B8-2402-4D07-8CC1-A7973D5DEA1D}" type="datetimeFigureOut">
               <a:rPr lang="en-US" smtClean="0"/>
-              <a:t>08-Apr-21</a:t>
+              <a:t>10-Apr-21</a:t>
             </a:fld>
             <a:endParaRPr lang="en-US"/>
           </a:p>
@@ -828,7 +828,7 @@
           <a:p>
             <a:fld id="{E2BFE950-A675-4D2F-BC24-F20C16678C63}" type="datetimeFigureOut">
               <a:rPr lang="en-US" smtClean="0"/>
-              <a:t>08-Apr-21</a:t>
+              <a:t>10-Apr-21</a:t>
             </a:fld>
             <a:endParaRPr lang="en-US"/>
           </a:p>
@@ -1131,7 +1131,7 @@
           <a:p>
             <a:fld id="{E2BFE950-A675-4D2F-BC24-F20C16678C63}" type="datetimeFigureOut">
               <a:rPr lang="en-US" smtClean="0"/>
-              <a:t>08-Apr-21</a:t>
+              <a:t>10-Apr-21</a:t>
             </a:fld>
             <a:endParaRPr lang="en-US"/>
           </a:p>
@@ -1300,7 +1300,7 @@
           <a:p>
             <a:fld id="{E2BFE950-A675-4D2F-BC24-F20C16678C63}" type="datetimeFigureOut">
               <a:rPr lang="en-US" smtClean="0"/>
-              <a:t>08-Apr-21</a:t>
+              <a:t>10-Apr-21</a:t>
             </a:fld>
             <a:endParaRPr lang="en-US"/>
           </a:p>
@@ -1474,7 +1474,7 @@
           <a:p>
             <a:fld id="{E2BFE950-A675-4D2F-BC24-F20C16678C63}" type="datetimeFigureOut">
               <a:rPr lang="en-US" smtClean="0"/>
-              <a:t>08-Apr-21</a:t>
+              <a:t>10-Apr-21</a:t>
             </a:fld>
             <a:endParaRPr lang="en-US"/>
           </a:p>
@@ -1637,7 +1637,7 @@
           <a:p>
             <a:fld id="{E2BFE950-A675-4D2F-BC24-F20C16678C63}" type="datetimeFigureOut">
               <a:rPr lang="en-US" smtClean="0"/>
-              <a:t>08-Apr-21</a:t>
+              <a:t>10-Apr-21</a:t>
             </a:fld>
             <a:endParaRPr lang="en-US"/>
           </a:p>
@@ -1810,7 +1810,7 @@
           <a:p>
             <a:fld id="{E2BFE950-A675-4D2F-BC24-F20C16678C63}" type="datetimeFigureOut">
               <a:rPr lang="en-US" smtClean="0"/>
-              <a:t>08-Apr-21</a:t>
+              <a:t>10-Apr-21</a:t>
             </a:fld>
             <a:endParaRPr lang="en-US"/>
           </a:p>
@@ -2099,7 +2099,7 @@
           <a:p>
             <a:fld id="{E2BFE950-A675-4D2F-BC24-F20C16678C63}" type="datetimeFigureOut">
               <a:rPr lang="en-US" smtClean="0"/>
-              <a:t>08-Apr-21</a:t>
+              <a:t>10-Apr-21</a:t>
             </a:fld>
             <a:endParaRPr lang="en-US"/>
           </a:p>
@@ -2423,7 +2423,7 @@
           <a:p>
             <a:fld id="{E2BFE950-A675-4D2F-BC24-F20C16678C63}" type="datetimeFigureOut">
               <a:rPr lang="en-US" smtClean="0"/>
-              <a:t>08-Apr-21</a:t>
+              <a:t>10-Apr-21</a:t>
             </a:fld>
             <a:endParaRPr lang="en-US"/>
           </a:p>
@@ -2847,7 +2847,7 @@
           <a:p>
             <a:fld id="{E2BFE950-A675-4D2F-BC24-F20C16678C63}" type="datetimeFigureOut">
               <a:rPr lang="en-US" smtClean="0"/>
-              <a:t>08-Apr-21</a:t>
+              <a:t>10-Apr-21</a:t>
             </a:fld>
             <a:endParaRPr lang="en-US"/>
           </a:p>
@@ -3020,7 +3020,7 @@
           <a:p>
             <a:fld id="{E2BFE950-A675-4D2F-BC24-F20C16678C63}" type="datetimeFigureOut">
               <a:rPr lang="en-US" smtClean="0"/>
-              <a:t>08-Apr-21</a:t>
+              <a:t>10-Apr-21</a:t>
             </a:fld>
             <a:endParaRPr lang="en-US"/>
           </a:p>
@@ -3110,7 +3110,7 @@
           <a:p>
             <a:fld id="{E2BFE950-A675-4D2F-BC24-F20C16678C63}" type="datetimeFigureOut">
               <a:rPr lang="en-US" smtClean="0"/>
-              <a:t>08-Apr-21</a:t>
+              <a:t>10-Apr-21</a:t>
             </a:fld>
             <a:endParaRPr lang="en-US"/>
           </a:p>
@@ -3389,7 +3389,7 @@
           <a:p>
             <a:fld id="{E2BFE950-A675-4D2F-BC24-F20C16678C63}" type="datetimeFigureOut">
               <a:rPr lang="en-US" smtClean="0"/>
-              <a:t>08-Apr-21</a:t>
+              <a:t>10-Apr-21</a:t>
             </a:fld>
             <a:endParaRPr lang="en-US"/>
           </a:p>
@@ -3636,7 +3636,7 @@
           <a:p>
             <a:fld id="{E2BFE950-A675-4D2F-BC24-F20C16678C63}" type="datetimeFigureOut">
               <a:rPr lang="en-US" smtClean="0"/>
-              <a:t>08-Apr-21</a:t>
+              <a:t>10-Apr-21</a:t>
             </a:fld>
             <a:endParaRPr lang="en-US"/>
           </a:p>
@@ -4222,9 +4222,10 @@
           <a:lstStyle/>
           <a:p>
             <a:r>
-              <a:rPr lang="en-US" dirty="0"/>
-              <a:t>Instructor: Rob Garner</a:t>
-            </a:r>
+              <a:rPr lang="en-US"/>
+              <a:t>Instructor: Rob Garner (rgarner7@cnm.edu)</a:t>
+            </a:r>
+            <a:endParaRPr lang="en-US" dirty="0"/>
           </a:p>
         </p:txBody>
       </p:sp>

--- a/Slides/PythonArcadeStep1InstallAndOpenAWindow.pptx
+++ b/Slides/PythonArcadeStep1InstallAndOpenAWindow.pptx
@@ -4222,10 +4222,9 @@
           <a:lstStyle/>
           <a:p>
             <a:r>
-              <a:rPr lang="en-US"/>
+              <a:rPr lang="en-US" dirty="0"/>
               <a:t>Instructor: Rob Garner (rgarner7@cnm.edu)</a:t>
             </a:r>
-            <a:endParaRPr lang="en-US" dirty="0"/>
           </a:p>
         </p:txBody>
       </p:sp>
